--- a/dự án nón(sơ đồ mạch).pptx
+++ b/dự án nón(sơ đồ mạch).pptx
@@ -104,6 +104,11 @@
       </a:defRPr>
     </a:lvl9pPr>
   </p:defaultTextStyle>
+  <p:extLst>
+    <p:ext uri="{EFAFB233-063F-42B5-8137-9DF3F51BA10A}">
+      <p15:sldGuideLst xmlns:p15="http://schemas.microsoft.com/office/powerpoint/2012/main"/>
+    </p:ext>
+  </p:extLst>
 </p:presentation>
 </file>
 
@@ -152,7 +157,6 @@
               <a:rPr lang="en-US"/>
               <a:t>Click to edit Master title style</a:t>
             </a:r>
-            <a:endParaRPr lang="en-US"/>
           </a:p>
         </p:txBody>
       </p:sp>
@@ -217,7 +221,6 @@
               <a:rPr lang="en-US"/>
               <a:t>Click to edit Master subtitle style</a:t>
             </a:r>
-            <a:endParaRPr lang="en-US"/>
           </a:p>
         </p:txBody>
       </p:sp>
@@ -238,7 +241,7 @@
           <a:p>
             <a:fld id="{63A185A0-9CEB-454D-B11C-A34795F71B29}" type="datetimeFigureOut">
               <a:rPr lang="en-US" smtClean="0"/>
-              <a:t>06/04/2023</a:t>
+              <a:t>08/04/2023</a:t>
             </a:fld>
             <a:endParaRPr lang="en-US"/>
           </a:p>
@@ -335,7 +338,6 @@
               <a:rPr lang="en-US"/>
               <a:t>Click to edit Master title style</a:t>
             </a:r>
-            <a:endParaRPr lang="en-US"/>
           </a:p>
         </p:txBody>
       </p:sp>
@@ -387,7 +389,6 @@
               <a:rPr lang="en-US"/>
               <a:t>Fifth level</a:t>
             </a:r>
-            <a:endParaRPr lang="en-US"/>
           </a:p>
         </p:txBody>
       </p:sp>
@@ -408,7 +409,7 @@
           <a:p>
             <a:fld id="{63A185A0-9CEB-454D-B11C-A34795F71B29}" type="datetimeFigureOut">
               <a:rPr lang="en-US" smtClean="0"/>
-              <a:t>06/04/2023</a:t>
+              <a:t>08/04/2023</a:t>
             </a:fld>
             <a:endParaRPr lang="en-US"/>
           </a:p>
@@ -510,7 +511,6 @@
               <a:rPr lang="en-US"/>
               <a:t>Click to edit Master title style</a:t>
             </a:r>
-            <a:endParaRPr lang="en-US"/>
           </a:p>
         </p:txBody>
       </p:sp>
@@ -567,7 +567,6 @@
               <a:rPr lang="en-US"/>
               <a:t>Fifth level</a:t>
             </a:r>
-            <a:endParaRPr lang="en-US"/>
           </a:p>
         </p:txBody>
       </p:sp>
@@ -588,7 +587,7 @@
           <a:p>
             <a:fld id="{63A185A0-9CEB-454D-B11C-A34795F71B29}" type="datetimeFigureOut">
               <a:rPr lang="en-US" smtClean="0"/>
-              <a:t>06/04/2023</a:t>
+              <a:t>08/04/2023</a:t>
             </a:fld>
             <a:endParaRPr lang="en-US"/>
           </a:p>
@@ -685,7 +684,6 @@
               <a:rPr lang="en-US"/>
               <a:t>Click to edit Master title style</a:t>
             </a:r>
-            <a:endParaRPr lang="en-US"/>
           </a:p>
         </p:txBody>
       </p:sp>
@@ -737,7 +735,6 @@
               <a:rPr lang="en-US"/>
               <a:t>Fifth level</a:t>
             </a:r>
-            <a:endParaRPr lang="en-US"/>
           </a:p>
         </p:txBody>
       </p:sp>
@@ -758,7 +755,7 @@
           <a:p>
             <a:fld id="{63A185A0-9CEB-454D-B11C-A34795F71B29}" type="datetimeFigureOut">
               <a:rPr lang="en-US" smtClean="0"/>
-              <a:t>06/04/2023</a:t>
+              <a:t>08/04/2023</a:t>
             </a:fld>
             <a:endParaRPr lang="en-US"/>
           </a:p>
@@ -864,7 +861,6 @@
               <a:rPr lang="en-US"/>
               <a:t>Click to edit Master title style</a:t>
             </a:r>
-            <a:endParaRPr lang="en-US"/>
           </a:p>
         </p:txBody>
       </p:sp>
@@ -1004,7 +1000,7 @@
           <a:p>
             <a:fld id="{63A185A0-9CEB-454D-B11C-A34795F71B29}" type="datetimeFigureOut">
               <a:rPr lang="en-US" smtClean="0"/>
-              <a:t>06/04/2023</a:t>
+              <a:t>08/04/2023</a:t>
             </a:fld>
             <a:endParaRPr lang="en-US"/>
           </a:p>
@@ -1101,7 +1097,6 @@
               <a:rPr lang="en-US"/>
               <a:t>Click to edit Master title style</a:t>
             </a:r>
-            <a:endParaRPr lang="en-US"/>
           </a:p>
         </p:txBody>
       </p:sp>
@@ -1158,7 +1153,6 @@
               <a:rPr lang="en-US"/>
               <a:t>Fifth level</a:t>
             </a:r>
-            <a:endParaRPr lang="en-US"/>
           </a:p>
         </p:txBody>
       </p:sp>
@@ -1215,7 +1209,6 @@
               <a:rPr lang="en-US"/>
               <a:t>Fifth level</a:t>
             </a:r>
-            <a:endParaRPr lang="en-US"/>
           </a:p>
         </p:txBody>
       </p:sp>
@@ -1236,7 +1229,7 @@
           <a:p>
             <a:fld id="{63A185A0-9CEB-454D-B11C-A34795F71B29}" type="datetimeFigureOut">
               <a:rPr lang="en-US" smtClean="0"/>
-              <a:t>06/04/2023</a:t>
+              <a:t>08/04/2023</a:t>
             </a:fld>
             <a:endParaRPr lang="en-US"/>
           </a:p>
@@ -1338,7 +1331,6 @@
               <a:rPr lang="en-US"/>
               <a:t>Click to edit Master title style</a:t>
             </a:r>
-            <a:endParaRPr lang="en-US"/>
           </a:p>
         </p:txBody>
       </p:sp>
@@ -1460,7 +1452,6 @@
               <a:rPr lang="en-US"/>
               <a:t>Fifth level</a:t>
             </a:r>
-            <a:endParaRPr lang="en-US"/>
           </a:p>
         </p:txBody>
       </p:sp>
@@ -1582,7 +1573,6 @@
               <a:rPr lang="en-US"/>
               <a:t>Fifth level</a:t>
             </a:r>
-            <a:endParaRPr lang="en-US"/>
           </a:p>
         </p:txBody>
       </p:sp>
@@ -1603,7 +1593,7 @@
           <a:p>
             <a:fld id="{63A185A0-9CEB-454D-B11C-A34795F71B29}" type="datetimeFigureOut">
               <a:rPr lang="en-US" smtClean="0"/>
-              <a:t>06/04/2023</a:t>
+              <a:t>08/04/2023</a:t>
             </a:fld>
             <a:endParaRPr lang="en-US"/>
           </a:p>
@@ -1700,7 +1690,6 @@
               <a:rPr lang="en-US"/>
               <a:t>Click to edit Master title style</a:t>
             </a:r>
-            <a:endParaRPr lang="en-US"/>
           </a:p>
         </p:txBody>
       </p:sp>
@@ -1721,7 +1710,7 @@
           <a:p>
             <a:fld id="{63A185A0-9CEB-454D-B11C-A34795F71B29}" type="datetimeFigureOut">
               <a:rPr lang="en-US" smtClean="0"/>
-              <a:t>06/04/2023</a:t>
+              <a:t>08/04/2023</a:t>
             </a:fld>
             <a:endParaRPr lang="en-US"/>
           </a:p>
@@ -1816,7 +1805,7 @@
           <a:p>
             <a:fld id="{63A185A0-9CEB-454D-B11C-A34795F71B29}" type="datetimeFigureOut">
               <a:rPr lang="en-US" smtClean="0"/>
-              <a:t>06/04/2023</a:t>
+              <a:t>08/04/2023</a:t>
             </a:fld>
             <a:endParaRPr lang="en-US"/>
           </a:p>
@@ -1922,7 +1911,6 @@
               <a:rPr lang="en-US"/>
               <a:t>Click to edit Master title style</a:t>
             </a:r>
-            <a:endParaRPr lang="en-US"/>
           </a:p>
         </p:txBody>
       </p:sp>
@@ -2007,7 +1995,6 @@
               <a:rPr lang="en-US"/>
               <a:t>Fifth level</a:t>
             </a:r>
-            <a:endParaRPr lang="en-US"/>
           </a:p>
         </p:txBody>
       </p:sp>
@@ -2093,7 +2080,7 @@
           <a:p>
             <a:fld id="{63A185A0-9CEB-454D-B11C-A34795F71B29}" type="datetimeFigureOut">
               <a:rPr lang="en-US" smtClean="0"/>
-              <a:t>06/04/2023</a:t>
+              <a:t>08/04/2023</a:t>
             </a:fld>
             <a:endParaRPr lang="en-US"/>
           </a:p>
@@ -2199,7 +2186,6 @@
               <a:rPr lang="en-US"/>
               <a:t>Click to edit Master title style</a:t>
             </a:r>
-            <a:endParaRPr lang="en-US"/>
           </a:p>
         </p:txBody>
       </p:sp>
@@ -2346,7 +2332,7 @@
           <a:p>
             <a:fld id="{63A185A0-9CEB-454D-B11C-A34795F71B29}" type="datetimeFigureOut">
               <a:rPr lang="en-US" smtClean="0"/>
-              <a:t>06/04/2023</a:t>
+              <a:t>08/04/2023</a:t>
             </a:fld>
             <a:endParaRPr lang="en-US"/>
           </a:p>
@@ -2458,7 +2444,6 @@
               <a:rPr lang="en-US"/>
               <a:t>Click to edit Master title style</a:t>
             </a:r>
-            <a:endParaRPr lang="en-US"/>
           </a:p>
         </p:txBody>
       </p:sp>
@@ -2520,7 +2505,6 @@
               <a:rPr lang="en-US"/>
               <a:t>Fifth level</a:t>
             </a:r>
-            <a:endParaRPr lang="en-US"/>
           </a:p>
         </p:txBody>
       </p:sp>
@@ -2559,7 +2543,7 @@
           <a:p>
             <a:fld id="{63A185A0-9CEB-454D-B11C-A34795F71B29}" type="datetimeFigureOut">
               <a:rPr lang="en-US" smtClean="0"/>
-              <a:t>06/04/2023</a:t>
+              <a:t>08/04/2023</a:t>
             </a:fld>
             <a:endParaRPr lang="en-US"/>
           </a:p>
@@ -2964,6 +2948,41 @@
           <a:chExt cx="0" cy="0"/>
         </a:xfrm>
       </p:grpSpPr>
+      <p:cxnSp>
+        <p:nvCxnSpPr>
+          <p:cNvPr id="73" name="Straight Connector 72"/>
+          <p:cNvCxnSpPr/>
+          <p:nvPr/>
+        </p:nvCxnSpPr>
+        <p:spPr>
+          <a:xfrm>
+            <a:off x="2788444" y="3646649"/>
+            <a:ext cx="1923256" cy="0"/>
+          </a:xfrm>
+          <a:prstGeom prst="line">
+            <a:avLst/>
+          </a:prstGeom>
+          <a:ln w="38100">
+            <a:solidFill>
+              <a:srgbClr val="FF0000"/>
+            </a:solidFill>
+          </a:ln>
+        </p:spPr>
+        <p:style>
+          <a:lnRef idx="1">
+            <a:schemeClr val="accent1"/>
+          </a:lnRef>
+          <a:fillRef idx="0">
+            <a:schemeClr val="accent1"/>
+          </a:fillRef>
+          <a:effectRef idx="0">
+            <a:schemeClr val="accent1"/>
+          </a:effectRef>
+          <a:fontRef idx="minor">
+            <a:schemeClr val="tx1"/>
+          </a:fontRef>
+        </p:style>
+      </p:cxnSp>
       <p:pic>
         <p:nvPicPr>
           <p:cNvPr id="7" name="Picture 6"/>
@@ -3063,9 +3082,9 @@
           </a:stretch>
         </p:blipFill>
         <p:spPr>
-          <a:xfrm>
-            <a:off x="114678" y="18193"/>
-            <a:ext cx="4159265" cy="2201698"/>
+          <a:xfrm rot="10800000">
+            <a:off x="1555192" y="499230"/>
+            <a:ext cx="2891101" cy="1530398"/>
           </a:xfrm>
           <a:prstGeom prst="rect">
             <a:avLst/>
@@ -3157,15 +3176,15 @@
         </p:nvCxnSpPr>
         <p:spPr>
           <a:xfrm>
-            <a:off x="10003831" y="5277611"/>
-            <a:ext cx="0" cy="490870"/>
-          </a:xfrm>
-          <a:prstGeom prst="line">
-            <a:avLst/>
-          </a:prstGeom>
-          <a:ln w="38100">
-            <a:solidFill>
-              <a:srgbClr val="FF0000"/>
+            <a:off x="2231423" y="4295775"/>
+            <a:ext cx="0" cy="258793"/>
+          </a:xfrm>
+          <a:prstGeom prst="line">
+            <a:avLst/>
+          </a:prstGeom>
+          <a:ln w="38100">
+            <a:solidFill>
+              <a:schemeClr val="tx1"/>
             </a:solidFill>
           </a:ln>
         </p:spPr>
@@ -3473,7 +3492,7 @@
         <p:spPr>
           <a:xfrm>
             <a:off x="4711700" y="1879600"/>
-            <a:ext cx="0" cy="1803400"/>
+            <a:ext cx="0" cy="1790125"/>
           </a:xfrm>
           <a:prstGeom prst="line">
             <a:avLst/>
@@ -3543,7 +3562,7 @@
         <p:spPr>
           <a:xfrm>
             <a:off x="7061200" y="3200400"/>
-            <a:ext cx="0" cy="482600"/>
+            <a:ext cx="0" cy="453189"/>
           </a:xfrm>
           <a:prstGeom prst="line">
             <a:avLst/>
@@ -4251,6 +4270,1524 @@
           <a:ln w="38100">
             <a:solidFill>
               <a:srgbClr val="0070C0"/>
+            </a:solidFill>
+          </a:ln>
+        </p:spPr>
+        <p:style>
+          <a:lnRef idx="1">
+            <a:schemeClr val="accent1"/>
+          </a:lnRef>
+          <a:fillRef idx="0">
+            <a:schemeClr val="accent1"/>
+          </a:fillRef>
+          <a:effectRef idx="0">
+            <a:schemeClr val="accent1"/>
+          </a:effectRef>
+          <a:fontRef idx="minor">
+            <a:schemeClr val="tx1"/>
+          </a:fontRef>
+        </p:style>
+      </p:cxnSp>
+      <p:cxnSp>
+        <p:nvCxnSpPr>
+          <p:cNvPr id="3" name="Straight Connector 2"/>
+          <p:cNvCxnSpPr/>
+          <p:nvPr/>
+        </p:nvCxnSpPr>
+        <p:spPr>
+          <a:xfrm>
+            <a:off x="2397793" y="2526755"/>
+            <a:ext cx="6227808" cy="0"/>
+          </a:xfrm>
+          <a:prstGeom prst="line">
+            <a:avLst/>
+          </a:prstGeom>
+          <a:ln w="38100">
+            <a:solidFill>
+              <a:schemeClr val="accent6"/>
+            </a:solidFill>
+          </a:ln>
+        </p:spPr>
+        <p:style>
+          <a:lnRef idx="1">
+            <a:schemeClr val="accent1"/>
+          </a:lnRef>
+          <a:fillRef idx="0">
+            <a:schemeClr val="accent1"/>
+          </a:fillRef>
+          <a:effectRef idx="0">
+            <a:schemeClr val="accent1"/>
+          </a:effectRef>
+          <a:fontRef idx="minor">
+            <a:schemeClr val="tx1"/>
+          </a:fontRef>
+        </p:style>
+      </p:cxnSp>
+      <p:cxnSp>
+        <p:nvCxnSpPr>
+          <p:cNvPr id="43" name="Straight Connector 42"/>
+          <p:cNvCxnSpPr/>
+          <p:nvPr/>
+        </p:nvCxnSpPr>
+        <p:spPr>
+          <a:xfrm>
+            <a:off x="1051560" y="4209895"/>
+            <a:ext cx="1576111" cy="0"/>
+          </a:xfrm>
+          <a:prstGeom prst="line">
+            <a:avLst/>
+          </a:prstGeom>
+          <a:ln w="38100">
+            <a:solidFill>
+              <a:srgbClr val="FF0000"/>
+            </a:solidFill>
+          </a:ln>
+        </p:spPr>
+        <p:style>
+          <a:lnRef idx="1">
+            <a:schemeClr val="accent1"/>
+          </a:lnRef>
+          <a:fillRef idx="0">
+            <a:schemeClr val="accent1"/>
+          </a:fillRef>
+          <a:effectRef idx="0">
+            <a:schemeClr val="accent1"/>
+          </a:effectRef>
+          <a:fontRef idx="minor">
+            <a:schemeClr val="tx1"/>
+          </a:fontRef>
+        </p:style>
+      </p:cxnSp>
+      <p:cxnSp>
+        <p:nvCxnSpPr>
+          <p:cNvPr id="44" name="Straight Connector 43"/>
+          <p:cNvCxnSpPr/>
+          <p:nvPr/>
+        </p:nvCxnSpPr>
+        <p:spPr>
+          <a:xfrm>
+            <a:off x="2627671" y="4209895"/>
+            <a:ext cx="0" cy="356746"/>
+          </a:xfrm>
+          <a:prstGeom prst="line">
+            <a:avLst/>
+          </a:prstGeom>
+          <a:ln w="38100">
+            <a:solidFill>
+              <a:srgbClr val="FF0000"/>
+            </a:solidFill>
+          </a:ln>
+        </p:spPr>
+        <p:style>
+          <a:lnRef idx="1">
+            <a:schemeClr val="accent1"/>
+          </a:lnRef>
+          <a:fillRef idx="0">
+            <a:schemeClr val="accent1"/>
+          </a:fillRef>
+          <a:effectRef idx="0">
+            <a:schemeClr val="accent1"/>
+          </a:effectRef>
+          <a:fontRef idx="minor">
+            <a:schemeClr val="tx1"/>
+          </a:fontRef>
+        </p:style>
+      </p:cxnSp>
+      <p:cxnSp>
+        <p:nvCxnSpPr>
+          <p:cNvPr id="47" name="Straight Connector 46"/>
+          <p:cNvCxnSpPr/>
+          <p:nvPr/>
+        </p:nvCxnSpPr>
+        <p:spPr>
+          <a:xfrm>
+            <a:off x="1459231" y="4321206"/>
+            <a:ext cx="6383" cy="381046"/>
+          </a:xfrm>
+          <a:prstGeom prst="line">
+            <a:avLst/>
+          </a:prstGeom>
+          <a:ln w="38100">
+            <a:solidFill>
+              <a:schemeClr val="tx1"/>
+            </a:solidFill>
+          </a:ln>
+        </p:spPr>
+        <p:style>
+          <a:lnRef idx="1">
+            <a:schemeClr val="accent1"/>
+          </a:lnRef>
+          <a:fillRef idx="0">
+            <a:schemeClr val="accent1"/>
+          </a:fillRef>
+          <a:effectRef idx="0">
+            <a:schemeClr val="accent1"/>
+          </a:effectRef>
+          <a:fontRef idx="minor">
+            <a:schemeClr val="tx1"/>
+          </a:fontRef>
+        </p:style>
+      </p:cxnSp>
+      <p:cxnSp>
+        <p:nvCxnSpPr>
+          <p:cNvPr id="48" name="Straight Connector 47"/>
+          <p:cNvCxnSpPr/>
+          <p:nvPr/>
+        </p:nvCxnSpPr>
+        <p:spPr>
+          <a:xfrm>
+            <a:off x="1066800" y="4211382"/>
+            <a:ext cx="0" cy="490870"/>
+          </a:xfrm>
+          <a:prstGeom prst="line">
+            <a:avLst/>
+          </a:prstGeom>
+          <a:ln w="38100">
+            <a:solidFill>
+              <a:srgbClr val="FF0000"/>
+            </a:solidFill>
+          </a:ln>
+        </p:spPr>
+        <p:style>
+          <a:lnRef idx="1">
+            <a:schemeClr val="accent1"/>
+          </a:lnRef>
+          <a:fillRef idx="0">
+            <a:schemeClr val="accent1"/>
+          </a:fillRef>
+          <a:effectRef idx="0">
+            <a:schemeClr val="accent1"/>
+          </a:effectRef>
+          <a:fontRef idx="minor">
+            <a:schemeClr val="tx1"/>
+          </a:fontRef>
+        </p:style>
+      </p:cxnSp>
+      <p:cxnSp>
+        <p:nvCxnSpPr>
+          <p:cNvPr id="50" name="Straight Connector 49"/>
+          <p:cNvCxnSpPr/>
+          <p:nvPr/>
+        </p:nvCxnSpPr>
+        <p:spPr>
+          <a:xfrm>
+            <a:off x="1440180" y="4321206"/>
+            <a:ext cx="807720" cy="0"/>
+          </a:xfrm>
+          <a:prstGeom prst="line">
+            <a:avLst/>
+          </a:prstGeom>
+          <a:ln w="38100">
+            <a:solidFill>
+              <a:schemeClr val="tx1"/>
+            </a:solidFill>
+          </a:ln>
+        </p:spPr>
+        <p:style>
+          <a:lnRef idx="1">
+            <a:schemeClr val="accent1"/>
+          </a:lnRef>
+          <a:fillRef idx="0">
+            <a:schemeClr val="accent1"/>
+          </a:fillRef>
+          <a:effectRef idx="0">
+            <a:schemeClr val="accent1"/>
+          </a:effectRef>
+          <a:fontRef idx="minor">
+            <a:schemeClr val="tx1"/>
+          </a:fontRef>
+        </p:style>
+      </p:cxnSp>
+      <p:cxnSp>
+        <p:nvCxnSpPr>
+          <p:cNvPr id="57" name="Straight Connector 56"/>
+          <p:cNvCxnSpPr/>
+          <p:nvPr/>
+        </p:nvCxnSpPr>
+        <p:spPr>
+          <a:xfrm>
+            <a:off x="7674257" y="203200"/>
+            <a:ext cx="0" cy="1139825"/>
+          </a:xfrm>
+          <a:prstGeom prst="line">
+            <a:avLst/>
+          </a:prstGeom>
+          <a:ln w="38100">
+            <a:solidFill>
+              <a:schemeClr val="accent5">
+                <a:lumMod val="60000"/>
+                <a:lumOff val="40000"/>
+              </a:schemeClr>
+            </a:solidFill>
+          </a:ln>
+        </p:spPr>
+        <p:style>
+          <a:lnRef idx="1">
+            <a:schemeClr val="accent1"/>
+          </a:lnRef>
+          <a:fillRef idx="0">
+            <a:schemeClr val="accent1"/>
+          </a:fillRef>
+          <a:effectRef idx="0">
+            <a:schemeClr val="accent1"/>
+          </a:effectRef>
+          <a:fontRef idx="minor">
+            <a:schemeClr val="tx1"/>
+          </a:fontRef>
+        </p:style>
+      </p:cxnSp>
+      <p:cxnSp>
+        <p:nvCxnSpPr>
+          <p:cNvPr id="58" name="Straight Connector 57"/>
+          <p:cNvCxnSpPr/>
+          <p:nvPr/>
+        </p:nvCxnSpPr>
+        <p:spPr>
+          <a:xfrm flipH="1">
+            <a:off x="2397792" y="1896775"/>
+            <a:ext cx="2" cy="635281"/>
+          </a:xfrm>
+          <a:prstGeom prst="line">
+            <a:avLst/>
+          </a:prstGeom>
+          <a:ln w="38100">
+            <a:solidFill>
+              <a:schemeClr val="accent6"/>
+            </a:solidFill>
+          </a:ln>
+        </p:spPr>
+        <p:style>
+          <a:lnRef idx="1">
+            <a:schemeClr val="accent1"/>
+          </a:lnRef>
+          <a:fillRef idx="0">
+            <a:schemeClr val="accent1"/>
+          </a:fillRef>
+          <a:effectRef idx="0">
+            <a:schemeClr val="accent1"/>
+          </a:effectRef>
+          <a:fontRef idx="minor">
+            <a:schemeClr val="tx1"/>
+          </a:fontRef>
+        </p:style>
+      </p:cxnSp>
+      <p:cxnSp>
+        <p:nvCxnSpPr>
+          <p:cNvPr id="59" name="Straight Connector 58"/>
+          <p:cNvCxnSpPr/>
+          <p:nvPr/>
+        </p:nvCxnSpPr>
+        <p:spPr>
+          <a:xfrm>
+            <a:off x="2247900" y="1922978"/>
+            <a:ext cx="0" cy="894827"/>
+          </a:xfrm>
+          <a:prstGeom prst="line">
+            <a:avLst/>
+          </a:prstGeom>
+          <a:ln w="38100">
+            <a:solidFill>
+              <a:srgbClr val="7030A0"/>
+            </a:solidFill>
+          </a:ln>
+        </p:spPr>
+        <p:style>
+          <a:lnRef idx="1">
+            <a:schemeClr val="accent1"/>
+          </a:lnRef>
+          <a:fillRef idx="0">
+            <a:schemeClr val="accent1"/>
+          </a:fillRef>
+          <a:effectRef idx="0">
+            <a:schemeClr val="accent1"/>
+          </a:effectRef>
+          <a:fontRef idx="minor">
+            <a:schemeClr val="tx1"/>
+          </a:fontRef>
+        </p:style>
+      </p:cxnSp>
+      <p:cxnSp>
+        <p:nvCxnSpPr>
+          <p:cNvPr id="60" name="Straight Connector 59"/>
+          <p:cNvCxnSpPr/>
+          <p:nvPr/>
+        </p:nvCxnSpPr>
+        <p:spPr>
+          <a:xfrm>
+            <a:off x="2231423" y="2817805"/>
+            <a:ext cx="6105742" cy="0"/>
+          </a:xfrm>
+          <a:prstGeom prst="line">
+            <a:avLst/>
+          </a:prstGeom>
+          <a:ln w="38100">
+            <a:solidFill>
+              <a:srgbClr val="7030A0"/>
+            </a:solidFill>
+          </a:ln>
+        </p:spPr>
+        <p:style>
+          <a:lnRef idx="3">
+            <a:schemeClr val="dk1"/>
+          </a:lnRef>
+          <a:fillRef idx="0">
+            <a:schemeClr val="dk1"/>
+          </a:fillRef>
+          <a:effectRef idx="2">
+            <a:schemeClr val="dk1"/>
+          </a:effectRef>
+          <a:fontRef idx="minor">
+            <a:schemeClr val="tx1"/>
+          </a:fontRef>
+        </p:style>
+      </p:cxnSp>
+      <p:cxnSp>
+        <p:nvCxnSpPr>
+          <p:cNvPr id="61" name="Straight Connector 60"/>
+          <p:cNvCxnSpPr/>
+          <p:nvPr/>
+        </p:nvCxnSpPr>
+        <p:spPr>
+          <a:xfrm>
+            <a:off x="6498431" y="2910855"/>
+            <a:ext cx="265113" cy="0"/>
+          </a:xfrm>
+          <a:prstGeom prst="line">
+            <a:avLst/>
+          </a:prstGeom>
+          <a:ln w="38100">
+            <a:solidFill>
+              <a:schemeClr val="tx2">
+                <a:lumMod val="75000"/>
+              </a:schemeClr>
+            </a:solidFill>
+          </a:ln>
+        </p:spPr>
+        <p:style>
+          <a:lnRef idx="1">
+            <a:schemeClr val="accent1"/>
+          </a:lnRef>
+          <a:fillRef idx="0">
+            <a:schemeClr val="accent1"/>
+          </a:fillRef>
+          <a:effectRef idx="0">
+            <a:schemeClr val="accent1"/>
+          </a:effectRef>
+          <a:fontRef idx="minor">
+            <a:schemeClr val="tx1"/>
+          </a:fontRef>
+        </p:style>
+      </p:cxnSp>
+      <p:cxnSp>
+        <p:nvCxnSpPr>
+          <p:cNvPr id="63" name="Straight Connector 62"/>
+          <p:cNvCxnSpPr/>
+          <p:nvPr/>
+        </p:nvCxnSpPr>
+        <p:spPr>
+          <a:xfrm>
+            <a:off x="3263933" y="2817805"/>
+            <a:ext cx="0" cy="1736763"/>
+          </a:xfrm>
+          <a:prstGeom prst="line">
+            <a:avLst/>
+          </a:prstGeom>
+          <a:ln w="38100">
+            <a:solidFill>
+              <a:srgbClr val="7030A0"/>
+            </a:solidFill>
+          </a:ln>
+        </p:spPr>
+        <p:style>
+          <a:lnRef idx="1">
+            <a:schemeClr val="accent1"/>
+          </a:lnRef>
+          <a:fillRef idx="0">
+            <a:schemeClr val="accent1"/>
+          </a:fillRef>
+          <a:effectRef idx="0">
+            <a:schemeClr val="accent1"/>
+          </a:effectRef>
+          <a:fontRef idx="minor">
+            <a:schemeClr val="tx1"/>
+          </a:fontRef>
+        </p:style>
+      </p:cxnSp>
+      <p:cxnSp>
+        <p:nvCxnSpPr>
+          <p:cNvPr id="64" name="Straight Connector 63"/>
+          <p:cNvCxnSpPr/>
+          <p:nvPr/>
+        </p:nvCxnSpPr>
+        <p:spPr>
+          <a:xfrm>
+            <a:off x="3473483" y="2526755"/>
+            <a:ext cx="0" cy="2014455"/>
+          </a:xfrm>
+          <a:prstGeom prst="line">
+            <a:avLst/>
+          </a:prstGeom>
+          <a:ln w="38100">
+            <a:solidFill>
+              <a:schemeClr val="accent6"/>
+            </a:solidFill>
+          </a:ln>
+        </p:spPr>
+        <p:style>
+          <a:lnRef idx="1">
+            <a:schemeClr val="accent1"/>
+          </a:lnRef>
+          <a:fillRef idx="0">
+            <a:schemeClr val="accent1"/>
+          </a:fillRef>
+          <a:effectRef idx="0">
+            <a:schemeClr val="accent1"/>
+          </a:effectRef>
+          <a:fontRef idx="minor">
+            <a:schemeClr val="tx1"/>
+          </a:fontRef>
+        </p:style>
+      </p:cxnSp>
+      <p:cxnSp>
+        <p:nvCxnSpPr>
+          <p:cNvPr id="70" name="Straight Connector 69"/>
+          <p:cNvCxnSpPr/>
+          <p:nvPr/>
+        </p:nvCxnSpPr>
+        <p:spPr>
+          <a:xfrm>
+            <a:off x="5568861" y="1879760"/>
+            <a:ext cx="0" cy="646995"/>
+          </a:xfrm>
+          <a:prstGeom prst="line">
+            <a:avLst/>
+          </a:prstGeom>
+          <a:ln w="38100">
+            <a:solidFill>
+              <a:schemeClr val="accent6"/>
+            </a:solidFill>
+          </a:ln>
+        </p:spPr>
+        <p:style>
+          <a:lnRef idx="1">
+            <a:schemeClr val="accent1"/>
+          </a:lnRef>
+          <a:fillRef idx="0">
+            <a:schemeClr val="accent1"/>
+          </a:fillRef>
+          <a:effectRef idx="0">
+            <a:schemeClr val="accent1"/>
+          </a:effectRef>
+          <a:fontRef idx="minor">
+            <a:schemeClr val="tx1"/>
+          </a:fontRef>
+        </p:style>
+      </p:cxnSp>
+      <p:cxnSp>
+        <p:nvCxnSpPr>
+          <p:cNvPr id="72" name="Straight Connector 71"/>
+          <p:cNvCxnSpPr/>
+          <p:nvPr/>
+        </p:nvCxnSpPr>
+        <p:spPr>
+          <a:xfrm>
+            <a:off x="5294936" y="1879600"/>
+            <a:ext cx="8518" cy="938205"/>
+          </a:xfrm>
+          <a:prstGeom prst="line">
+            <a:avLst/>
+          </a:prstGeom>
+          <a:ln w="38100">
+            <a:solidFill>
+              <a:srgbClr val="7030A0"/>
+            </a:solidFill>
+          </a:ln>
+        </p:spPr>
+        <p:style>
+          <a:lnRef idx="1">
+            <a:schemeClr val="accent1"/>
+          </a:lnRef>
+          <a:fillRef idx="0">
+            <a:schemeClr val="accent1"/>
+          </a:fillRef>
+          <a:effectRef idx="0">
+            <a:schemeClr val="accent1"/>
+          </a:effectRef>
+          <a:fontRef idx="minor">
+            <a:schemeClr val="tx1"/>
+          </a:fontRef>
+        </p:style>
+      </p:cxnSp>
+      <p:cxnSp>
+        <p:nvCxnSpPr>
+          <p:cNvPr id="75" name="Straight Connector 74"/>
+          <p:cNvCxnSpPr/>
+          <p:nvPr/>
+        </p:nvCxnSpPr>
+        <p:spPr>
+          <a:xfrm>
+            <a:off x="8296308" y="1314450"/>
+            <a:ext cx="0" cy="1503355"/>
+          </a:xfrm>
+          <a:prstGeom prst="line">
+            <a:avLst/>
+          </a:prstGeom>
+          <a:ln w="38100">
+            <a:solidFill>
+              <a:srgbClr val="7030A0"/>
+            </a:solidFill>
+          </a:ln>
+        </p:spPr>
+        <p:style>
+          <a:lnRef idx="1">
+            <a:schemeClr val="accent1"/>
+          </a:lnRef>
+          <a:fillRef idx="0">
+            <a:schemeClr val="accent1"/>
+          </a:fillRef>
+          <a:effectRef idx="0">
+            <a:schemeClr val="accent1"/>
+          </a:effectRef>
+          <a:fontRef idx="minor">
+            <a:schemeClr val="tx1"/>
+          </a:fontRef>
+        </p:style>
+      </p:cxnSp>
+      <p:cxnSp>
+        <p:nvCxnSpPr>
+          <p:cNvPr id="77" name="Straight Connector 76"/>
+          <p:cNvCxnSpPr/>
+          <p:nvPr/>
+        </p:nvCxnSpPr>
+        <p:spPr>
+          <a:xfrm>
+            <a:off x="8625601" y="1314450"/>
+            <a:ext cx="0" cy="1235332"/>
+          </a:xfrm>
+          <a:prstGeom prst="line">
+            <a:avLst/>
+          </a:prstGeom>
+          <a:ln w="38100">
+            <a:solidFill>
+              <a:schemeClr val="accent6"/>
+            </a:solidFill>
+          </a:ln>
+        </p:spPr>
+        <p:style>
+          <a:lnRef idx="1">
+            <a:schemeClr val="accent1"/>
+          </a:lnRef>
+          <a:fillRef idx="0">
+            <a:schemeClr val="accent1"/>
+          </a:fillRef>
+          <a:effectRef idx="0">
+            <a:schemeClr val="accent1"/>
+          </a:effectRef>
+          <a:fontRef idx="minor">
+            <a:schemeClr val="tx1"/>
+          </a:fontRef>
+        </p:style>
+      </p:cxnSp>
+      <p:pic>
+        <p:nvPicPr>
+          <p:cNvPr id="2" name="Picture 1"/>
+          <p:cNvPicPr>
+            <a:picLocks noChangeAspect="1"/>
+          </p:cNvPicPr>
+          <p:nvPr/>
+        </p:nvPicPr>
+        <p:blipFill>
+          <a:blip r:embed="rId9"/>
+          <a:stretch>
+            <a:fillRect/>
+          </a:stretch>
+        </p:blipFill>
+        <p:spPr>
+          <a:xfrm>
+            <a:off x="66009" y="2376830"/>
+            <a:ext cx="1934470" cy="1381110"/>
+          </a:xfrm>
+          <a:prstGeom prst="rect">
+            <a:avLst/>
+          </a:prstGeom>
+        </p:spPr>
+      </p:pic>
+      <p:cxnSp>
+        <p:nvCxnSpPr>
+          <p:cNvPr id="66" name="Straight Connector 65"/>
+          <p:cNvCxnSpPr/>
+          <p:nvPr/>
+        </p:nvCxnSpPr>
+        <p:spPr>
+          <a:xfrm>
+            <a:off x="1907408" y="3577817"/>
+            <a:ext cx="0" cy="254090"/>
+          </a:xfrm>
+          <a:prstGeom prst="line">
+            <a:avLst/>
+          </a:prstGeom>
+          <a:ln w="38100">
+            <a:solidFill>
+              <a:schemeClr val="tx1"/>
+            </a:solidFill>
+          </a:ln>
+        </p:spPr>
+        <p:style>
+          <a:lnRef idx="1">
+            <a:schemeClr val="accent1"/>
+          </a:lnRef>
+          <a:fillRef idx="0">
+            <a:schemeClr val="accent1"/>
+          </a:fillRef>
+          <a:effectRef idx="0">
+            <a:schemeClr val="accent1"/>
+          </a:effectRef>
+          <a:fontRef idx="minor">
+            <a:schemeClr val="tx1"/>
+          </a:fontRef>
+        </p:style>
+      </p:cxnSp>
+      <p:cxnSp>
+        <p:nvCxnSpPr>
+          <p:cNvPr id="68" name="Straight Connector 67"/>
+          <p:cNvCxnSpPr/>
+          <p:nvPr/>
+        </p:nvCxnSpPr>
+        <p:spPr>
+          <a:xfrm>
+            <a:off x="1751088" y="3466322"/>
+            <a:ext cx="0" cy="152225"/>
+          </a:xfrm>
+          <a:prstGeom prst="line">
+            <a:avLst/>
+          </a:prstGeom>
+          <a:ln w="38100">
+            <a:solidFill>
+              <a:srgbClr val="FF0000"/>
+            </a:solidFill>
+          </a:ln>
+        </p:spPr>
+        <p:style>
+          <a:lnRef idx="1">
+            <a:schemeClr val="accent1"/>
+          </a:lnRef>
+          <a:fillRef idx="0">
+            <a:schemeClr val="accent1"/>
+          </a:fillRef>
+          <a:effectRef idx="0">
+            <a:schemeClr val="accent1"/>
+          </a:effectRef>
+          <a:fontRef idx="minor">
+            <a:schemeClr val="tx1"/>
+          </a:fontRef>
+        </p:style>
+      </p:cxnSp>
+      <p:cxnSp>
+        <p:nvCxnSpPr>
+          <p:cNvPr id="78" name="Straight Connector 77"/>
+          <p:cNvCxnSpPr/>
+          <p:nvPr/>
+        </p:nvCxnSpPr>
+        <p:spPr>
+          <a:xfrm>
+            <a:off x="1895475" y="3806190"/>
+            <a:ext cx="1289050" cy="0"/>
+          </a:xfrm>
+          <a:prstGeom prst="line">
+            <a:avLst/>
+          </a:prstGeom>
+          <a:ln w="38100">
+            <a:solidFill>
+              <a:schemeClr val="tx1"/>
+            </a:solidFill>
+          </a:ln>
+        </p:spPr>
+        <p:style>
+          <a:lnRef idx="1">
+            <a:schemeClr val="accent1"/>
+          </a:lnRef>
+          <a:fillRef idx="0">
+            <a:schemeClr val="accent1"/>
+          </a:fillRef>
+          <a:effectRef idx="0">
+            <a:schemeClr val="accent1"/>
+          </a:effectRef>
+          <a:fontRef idx="minor">
+            <a:schemeClr val="tx1"/>
+          </a:fontRef>
+        </p:style>
+      </p:cxnSp>
+      <p:cxnSp>
+        <p:nvCxnSpPr>
+          <p:cNvPr id="86" name="Straight Connector 85"/>
+          <p:cNvCxnSpPr/>
+          <p:nvPr/>
+        </p:nvCxnSpPr>
+        <p:spPr>
+          <a:xfrm>
+            <a:off x="1331354" y="3380755"/>
+            <a:ext cx="447675" cy="0"/>
+          </a:xfrm>
+          <a:prstGeom prst="line">
+            <a:avLst/>
+          </a:prstGeom>
+          <a:ln w="38100">
+            <a:solidFill>
+              <a:srgbClr val="FFFF00"/>
+            </a:solidFill>
+          </a:ln>
+        </p:spPr>
+        <p:style>
+          <a:lnRef idx="1">
+            <a:schemeClr val="accent1"/>
+          </a:lnRef>
+          <a:fillRef idx="0">
+            <a:schemeClr val="accent1"/>
+          </a:fillRef>
+          <a:effectRef idx="0">
+            <a:schemeClr val="accent1"/>
+          </a:effectRef>
+          <a:fontRef idx="minor">
+            <a:schemeClr val="tx1"/>
+          </a:fontRef>
+        </p:style>
+      </p:cxnSp>
+      <p:cxnSp>
+        <p:nvCxnSpPr>
+          <p:cNvPr id="87" name="Straight Connector 86"/>
+          <p:cNvCxnSpPr/>
+          <p:nvPr/>
+        </p:nvCxnSpPr>
+        <p:spPr>
+          <a:xfrm>
+            <a:off x="1403350" y="3148980"/>
+            <a:ext cx="375678" cy="0"/>
+          </a:xfrm>
+          <a:prstGeom prst="line">
+            <a:avLst/>
+          </a:prstGeom>
+          <a:ln w="38100">
+            <a:solidFill>
+              <a:schemeClr val="accent5">
+                <a:lumMod val="60000"/>
+                <a:lumOff val="40000"/>
+              </a:schemeClr>
+            </a:solidFill>
+          </a:ln>
+        </p:spPr>
+        <p:style>
+          <a:lnRef idx="1">
+            <a:schemeClr val="accent1"/>
+          </a:lnRef>
+          <a:fillRef idx="0">
+            <a:schemeClr val="accent1"/>
+          </a:fillRef>
+          <a:effectRef idx="0">
+            <a:schemeClr val="accent1"/>
+          </a:effectRef>
+          <a:fontRef idx="minor">
+            <a:schemeClr val="tx1"/>
+          </a:fontRef>
+        </p:style>
+      </p:cxnSp>
+      <p:cxnSp>
+        <p:nvCxnSpPr>
+          <p:cNvPr id="88" name="Straight Connector 87"/>
+          <p:cNvCxnSpPr/>
+          <p:nvPr/>
+        </p:nvCxnSpPr>
+        <p:spPr>
+          <a:xfrm>
+            <a:off x="1483519" y="2910855"/>
+            <a:ext cx="295509" cy="0"/>
+          </a:xfrm>
+          <a:prstGeom prst="line">
+            <a:avLst/>
+          </a:prstGeom>
+          <a:ln w="38100">
+            <a:solidFill>
+              <a:srgbClr val="FFC000"/>
+            </a:solidFill>
+          </a:ln>
+        </p:spPr>
+        <p:style>
+          <a:lnRef idx="1">
+            <a:schemeClr val="accent1"/>
+          </a:lnRef>
+          <a:fillRef idx="0">
+            <a:schemeClr val="accent1"/>
+          </a:fillRef>
+          <a:effectRef idx="0">
+            <a:schemeClr val="accent1"/>
+          </a:effectRef>
+          <a:fontRef idx="minor">
+            <a:schemeClr val="tx1"/>
+          </a:fontRef>
+        </p:style>
+      </p:cxnSp>
+      <p:cxnSp>
+        <p:nvCxnSpPr>
+          <p:cNvPr id="74" name="Straight Connector 73"/>
+          <p:cNvCxnSpPr/>
+          <p:nvPr/>
+        </p:nvCxnSpPr>
+        <p:spPr>
+          <a:xfrm>
+            <a:off x="1324166" y="61767"/>
+            <a:ext cx="0" cy="3339958"/>
+          </a:xfrm>
+          <a:prstGeom prst="line">
+            <a:avLst/>
+          </a:prstGeom>
+          <a:ln w="38100">
+            <a:solidFill>
+              <a:srgbClr val="FFFF00"/>
+            </a:solidFill>
+          </a:ln>
+        </p:spPr>
+        <p:style>
+          <a:lnRef idx="1">
+            <a:schemeClr val="accent1"/>
+          </a:lnRef>
+          <a:fillRef idx="0">
+            <a:schemeClr val="accent1"/>
+          </a:fillRef>
+          <a:effectRef idx="0">
+            <a:schemeClr val="accent1"/>
+          </a:effectRef>
+          <a:fontRef idx="minor">
+            <a:schemeClr val="tx1"/>
+          </a:fontRef>
+        </p:style>
+      </p:cxnSp>
+      <p:cxnSp>
+        <p:nvCxnSpPr>
+          <p:cNvPr id="89" name="Straight Connector 88"/>
+          <p:cNvCxnSpPr/>
+          <p:nvPr/>
+        </p:nvCxnSpPr>
+        <p:spPr>
+          <a:xfrm>
+            <a:off x="1415447" y="198139"/>
+            <a:ext cx="0" cy="2958151"/>
+          </a:xfrm>
+          <a:prstGeom prst="line">
+            <a:avLst/>
+          </a:prstGeom>
+          <a:ln w="38100">
+            <a:solidFill>
+              <a:schemeClr val="accent5">
+                <a:lumMod val="60000"/>
+                <a:lumOff val="40000"/>
+              </a:schemeClr>
+            </a:solidFill>
+          </a:ln>
+        </p:spPr>
+        <p:style>
+          <a:lnRef idx="1">
+            <a:schemeClr val="accent1"/>
+          </a:lnRef>
+          <a:fillRef idx="0">
+            <a:schemeClr val="accent1"/>
+          </a:fillRef>
+          <a:effectRef idx="0">
+            <a:schemeClr val="accent1"/>
+          </a:effectRef>
+          <a:fontRef idx="minor">
+            <a:schemeClr val="tx1"/>
+          </a:fontRef>
+        </p:style>
+      </p:cxnSp>
+      <p:cxnSp>
+        <p:nvCxnSpPr>
+          <p:cNvPr id="90" name="Straight Connector 89"/>
+          <p:cNvCxnSpPr/>
+          <p:nvPr/>
+        </p:nvCxnSpPr>
+        <p:spPr>
+          <a:xfrm>
+            <a:off x="1501966" y="2238095"/>
+            <a:ext cx="0" cy="687713"/>
+          </a:xfrm>
+          <a:prstGeom prst="line">
+            <a:avLst/>
+          </a:prstGeom>
+          <a:ln w="38100">
+            <a:solidFill>
+              <a:srgbClr val="FFC000"/>
+            </a:solidFill>
+          </a:ln>
+        </p:spPr>
+        <p:style>
+          <a:lnRef idx="1">
+            <a:schemeClr val="accent1"/>
+          </a:lnRef>
+          <a:fillRef idx="0">
+            <a:schemeClr val="accent1"/>
+          </a:fillRef>
+          <a:effectRef idx="0">
+            <a:schemeClr val="accent1"/>
+          </a:effectRef>
+          <a:fontRef idx="minor">
+            <a:schemeClr val="tx1"/>
+          </a:fontRef>
+        </p:style>
+      </p:cxnSp>
+      <p:cxnSp>
+        <p:nvCxnSpPr>
+          <p:cNvPr id="91" name="Straight Connector 90"/>
+          <p:cNvCxnSpPr/>
+          <p:nvPr/>
+        </p:nvCxnSpPr>
+        <p:spPr>
+          <a:xfrm>
+            <a:off x="1895475" y="2910855"/>
+            <a:ext cx="295509" cy="0"/>
+          </a:xfrm>
+          <a:prstGeom prst="line">
+            <a:avLst/>
+          </a:prstGeom>
+          <a:ln w="38100">
+            <a:solidFill>
+              <a:schemeClr val="accent3"/>
+            </a:solidFill>
+          </a:ln>
+        </p:spPr>
+        <p:style>
+          <a:lnRef idx="1">
+            <a:schemeClr val="accent1"/>
+          </a:lnRef>
+          <a:fillRef idx="0">
+            <a:schemeClr val="accent1"/>
+          </a:fillRef>
+          <a:effectRef idx="0">
+            <a:schemeClr val="accent1"/>
+          </a:effectRef>
+          <a:fontRef idx="minor">
+            <a:schemeClr val="tx1"/>
+          </a:fontRef>
+        </p:style>
+      </p:cxnSp>
+      <p:cxnSp>
+        <p:nvCxnSpPr>
+          <p:cNvPr id="93" name="Straight Connector 92"/>
+          <p:cNvCxnSpPr/>
+          <p:nvPr/>
+        </p:nvCxnSpPr>
+        <p:spPr>
+          <a:xfrm flipV="1">
+            <a:off x="1907408" y="3162720"/>
+            <a:ext cx="4607692" cy="1232"/>
+          </a:xfrm>
+          <a:prstGeom prst="line">
+            <a:avLst/>
+          </a:prstGeom>
+          <a:ln w="38100">
+            <a:solidFill>
+              <a:schemeClr val="tx2">
+                <a:lumMod val="75000"/>
+              </a:schemeClr>
+            </a:solidFill>
+          </a:ln>
+        </p:spPr>
+        <p:style>
+          <a:lnRef idx="1">
+            <a:schemeClr val="accent1"/>
+          </a:lnRef>
+          <a:fillRef idx="0">
+            <a:schemeClr val="accent1"/>
+          </a:fillRef>
+          <a:effectRef idx="0">
+            <a:schemeClr val="accent1"/>
+          </a:effectRef>
+          <a:fontRef idx="minor">
+            <a:schemeClr val="tx1"/>
+          </a:fontRef>
+        </p:style>
+      </p:cxnSp>
+      <p:cxnSp>
+        <p:nvCxnSpPr>
+          <p:cNvPr id="95" name="Straight Connector 94"/>
+          <p:cNvCxnSpPr/>
+          <p:nvPr/>
+        </p:nvCxnSpPr>
+        <p:spPr>
+          <a:xfrm>
+            <a:off x="1907408" y="3380755"/>
+            <a:ext cx="4856984" cy="0"/>
+          </a:xfrm>
+          <a:prstGeom prst="line">
+            <a:avLst/>
+          </a:prstGeom>
+          <a:ln w="38100">
+            <a:solidFill>
+              <a:schemeClr val="accent2">
+                <a:lumMod val="75000"/>
+              </a:schemeClr>
+            </a:solidFill>
+          </a:ln>
+        </p:spPr>
+        <p:style>
+          <a:lnRef idx="1">
+            <a:schemeClr val="accent1"/>
+          </a:lnRef>
+          <a:fillRef idx="0">
+            <a:schemeClr val="accent1"/>
+          </a:fillRef>
+          <a:effectRef idx="0">
+            <a:schemeClr val="accent1"/>
+          </a:effectRef>
+          <a:fontRef idx="minor">
+            <a:schemeClr val="tx1"/>
+          </a:fontRef>
+        </p:style>
+      </p:cxnSp>
+      <p:cxnSp>
+        <p:nvCxnSpPr>
+          <p:cNvPr id="97" name="Straight Connector 96"/>
+          <p:cNvCxnSpPr/>
+          <p:nvPr/>
+        </p:nvCxnSpPr>
+        <p:spPr>
+          <a:xfrm>
+            <a:off x="2178475" y="2434938"/>
+            <a:ext cx="0" cy="490870"/>
+          </a:xfrm>
+          <a:prstGeom prst="line">
+            <a:avLst/>
+          </a:prstGeom>
+          <a:ln w="38100">
+            <a:solidFill>
+              <a:schemeClr val="accent3"/>
+            </a:solidFill>
+          </a:ln>
+        </p:spPr>
+        <p:style>
+          <a:lnRef idx="1">
+            <a:schemeClr val="accent1"/>
+          </a:lnRef>
+          <a:fillRef idx="0">
+            <a:schemeClr val="accent1"/>
+          </a:fillRef>
+          <a:effectRef idx="0">
+            <a:schemeClr val="accent1"/>
+          </a:effectRef>
+          <a:fontRef idx="minor">
+            <a:schemeClr val="tx1"/>
+          </a:fontRef>
+        </p:style>
+      </p:cxnSp>
+      <p:cxnSp>
+        <p:nvCxnSpPr>
+          <p:cNvPr id="62" name="Straight Connector 61"/>
+          <p:cNvCxnSpPr/>
+          <p:nvPr/>
+        </p:nvCxnSpPr>
+        <p:spPr>
+          <a:xfrm>
+            <a:off x="1728788" y="3466322"/>
+            <a:ext cx="1059656" cy="0"/>
+          </a:xfrm>
+          <a:prstGeom prst="line">
+            <a:avLst/>
+          </a:prstGeom>
+          <a:ln w="38100">
+            <a:solidFill>
+              <a:srgbClr val="FF0000"/>
+            </a:solidFill>
+          </a:ln>
+        </p:spPr>
+        <p:style>
+          <a:lnRef idx="1">
+            <a:schemeClr val="accent1"/>
+          </a:lnRef>
+          <a:fillRef idx="0">
+            <a:schemeClr val="accent1"/>
+          </a:fillRef>
+          <a:effectRef idx="0">
+            <a:schemeClr val="accent1"/>
+          </a:effectRef>
+          <a:fontRef idx="minor">
+            <a:schemeClr val="tx1"/>
+          </a:fontRef>
+        </p:style>
+      </p:cxnSp>
+      <p:cxnSp>
+        <p:nvCxnSpPr>
+          <p:cNvPr id="99" name="Straight Connector 98"/>
+          <p:cNvCxnSpPr/>
+          <p:nvPr/>
+        </p:nvCxnSpPr>
+        <p:spPr>
+          <a:xfrm>
+            <a:off x="2791016" y="3441700"/>
+            <a:ext cx="0" cy="228025"/>
+          </a:xfrm>
+          <a:prstGeom prst="line">
+            <a:avLst/>
+          </a:prstGeom>
+          <a:ln w="38100">
+            <a:solidFill>
+              <a:srgbClr val="FF0000"/>
+            </a:solidFill>
+          </a:ln>
+        </p:spPr>
+        <p:style>
+          <a:lnRef idx="1">
+            <a:schemeClr val="accent1"/>
+          </a:lnRef>
+          <a:fillRef idx="0">
+            <a:schemeClr val="accent1"/>
+          </a:fillRef>
+          <a:effectRef idx="0">
+            <a:schemeClr val="accent1"/>
+          </a:effectRef>
+          <a:fontRef idx="minor">
+            <a:schemeClr val="tx1"/>
+          </a:fontRef>
+        </p:style>
+      </p:cxnSp>
+      <p:cxnSp>
+        <p:nvCxnSpPr>
+          <p:cNvPr id="101" name="Straight Connector 100"/>
+          <p:cNvCxnSpPr/>
+          <p:nvPr/>
+        </p:nvCxnSpPr>
+        <p:spPr>
+          <a:xfrm>
+            <a:off x="7993117" y="61767"/>
+            <a:ext cx="0" cy="1281258"/>
+          </a:xfrm>
+          <a:prstGeom prst="line">
+            <a:avLst/>
+          </a:prstGeom>
+          <a:ln w="38100">
+            <a:solidFill>
+              <a:srgbClr val="FFFF00"/>
+            </a:solidFill>
+          </a:ln>
+        </p:spPr>
+        <p:style>
+          <a:lnRef idx="1">
+            <a:schemeClr val="accent1"/>
+          </a:lnRef>
+          <a:fillRef idx="0">
+            <a:schemeClr val="accent1"/>
+          </a:fillRef>
+          <a:effectRef idx="0">
+            <a:schemeClr val="accent1"/>
+          </a:effectRef>
+          <a:fontRef idx="minor">
+            <a:schemeClr val="tx1"/>
+          </a:fontRef>
+        </p:style>
+      </p:cxnSp>
+      <p:cxnSp>
+        <p:nvCxnSpPr>
+          <p:cNvPr id="103" name="Straight Connector 102"/>
+          <p:cNvCxnSpPr/>
+          <p:nvPr/>
+        </p:nvCxnSpPr>
+        <p:spPr>
+          <a:xfrm>
+            <a:off x="7400925" y="1343025"/>
+            <a:ext cx="0" cy="895070"/>
+          </a:xfrm>
+          <a:prstGeom prst="line">
+            <a:avLst/>
+          </a:prstGeom>
+          <a:ln w="38100">
+            <a:solidFill>
+              <a:srgbClr val="FFC000"/>
+            </a:solidFill>
+          </a:ln>
+        </p:spPr>
+        <p:style>
+          <a:lnRef idx="1">
+            <a:schemeClr val="accent1"/>
+          </a:lnRef>
+          <a:fillRef idx="0">
+            <a:schemeClr val="accent1"/>
+          </a:fillRef>
+          <a:effectRef idx="0">
+            <a:schemeClr val="accent1"/>
+          </a:effectRef>
+          <a:fontRef idx="minor">
+            <a:schemeClr val="tx1"/>
+          </a:fontRef>
+        </p:style>
+      </p:cxnSp>
+      <p:cxnSp>
+        <p:nvCxnSpPr>
+          <p:cNvPr id="105" name="Straight Connector 104"/>
+          <p:cNvCxnSpPr/>
+          <p:nvPr/>
+        </p:nvCxnSpPr>
+        <p:spPr>
+          <a:xfrm>
+            <a:off x="7061200" y="1314450"/>
+            <a:ext cx="0" cy="1156970"/>
+          </a:xfrm>
+          <a:prstGeom prst="line">
+            <a:avLst/>
+          </a:prstGeom>
+          <a:ln w="38100">
+            <a:solidFill>
+              <a:schemeClr val="accent3"/>
+            </a:solidFill>
+          </a:ln>
+        </p:spPr>
+        <p:style>
+          <a:lnRef idx="1">
+            <a:schemeClr val="accent1"/>
+          </a:lnRef>
+          <a:fillRef idx="0">
+            <a:schemeClr val="accent1"/>
+          </a:fillRef>
+          <a:effectRef idx="0">
+            <a:schemeClr val="accent1"/>
+          </a:effectRef>
+          <a:fontRef idx="minor">
+            <a:schemeClr val="tx1"/>
+          </a:fontRef>
+        </p:style>
+      </p:cxnSp>
+      <p:cxnSp>
+        <p:nvCxnSpPr>
+          <p:cNvPr id="107" name="Straight Connector 106"/>
+          <p:cNvCxnSpPr/>
+          <p:nvPr/>
+        </p:nvCxnSpPr>
+        <p:spPr>
+          <a:xfrm>
+            <a:off x="6764392" y="1314450"/>
+            <a:ext cx="0" cy="1611358"/>
+          </a:xfrm>
+          <a:prstGeom prst="line">
+            <a:avLst/>
+          </a:prstGeom>
+          <a:ln w="38100">
+            <a:solidFill>
+              <a:schemeClr val="tx2">
+                <a:lumMod val="75000"/>
+              </a:schemeClr>
+            </a:solidFill>
+          </a:ln>
+        </p:spPr>
+        <p:style>
+          <a:lnRef idx="1">
+            <a:schemeClr val="accent1"/>
+          </a:lnRef>
+          <a:fillRef idx="0">
+            <a:schemeClr val="accent1"/>
+          </a:fillRef>
+          <a:effectRef idx="0">
+            <a:schemeClr val="accent1"/>
+          </a:effectRef>
+          <a:fontRef idx="minor">
+            <a:schemeClr val="tx1"/>
+          </a:fontRef>
+        </p:style>
+      </p:cxnSp>
+      <p:cxnSp>
+        <p:nvCxnSpPr>
+          <p:cNvPr id="109" name="Straight Connector 108"/>
+          <p:cNvCxnSpPr/>
+          <p:nvPr/>
+        </p:nvCxnSpPr>
+        <p:spPr>
+          <a:xfrm>
+            <a:off x="6764392" y="3185269"/>
+            <a:ext cx="0" cy="216456"/>
+          </a:xfrm>
+          <a:prstGeom prst="line">
+            <a:avLst/>
+          </a:prstGeom>
+          <a:ln w="38100">
+            <a:solidFill>
+              <a:schemeClr val="accent2">
+                <a:lumMod val="75000"/>
+              </a:schemeClr>
+            </a:solidFill>
+          </a:ln>
+        </p:spPr>
+        <p:style>
+          <a:lnRef idx="1">
+            <a:schemeClr val="accent1"/>
+          </a:lnRef>
+          <a:fillRef idx="0">
+            <a:schemeClr val="accent1"/>
+          </a:fillRef>
+          <a:effectRef idx="0">
+            <a:schemeClr val="accent1"/>
+          </a:effectRef>
+          <a:fontRef idx="minor">
+            <a:schemeClr val="tx1"/>
+          </a:fontRef>
+        </p:style>
+      </p:cxnSp>
+      <p:cxnSp>
+        <p:nvCxnSpPr>
+          <p:cNvPr id="115" name="Straight Connector 114"/>
+          <p:cNvCxnSpPr/>
+          <p:nvPr/>
+        </p:nvCxnSpPr>
+        <p:spPr>
+          <a:xfrm>
+            <a:off x="1403350" y="198139"/>
+            <a:ext cx="6298121" cy="0"/>
+          </a:xfrm>
+          <a:prstGeom prst="line">
+            <a:avLst/>
+          </a:prstGeom>
+          <a:ln w="38100">
+            <a:solidFill>
+              <a:schemeClr val="accent5">
+                <a:lumMod val="60000"/>
+                <a:lumOff val="40000"/>
+              </a:schemeClr>
+            </a:solidFill>
+          </a:ln>
+        </p:spPr>
+        <p:style>
+          <a:lnRef idx="1">
+            <a:schemeClr val="accent1"/>
+          </a:lnRef>
+          <a:fillRef idx="0">
+            <a:schemeClr val="accent1"/>
+          </a:fillRef>
+          <a:effectRef idx="0">
+            <a:schemeClr val="accent1"/>
+          </a:effectRef>
+          <a:fontRef idx="minor">
+            <a:schemeClr val="tx1"/>
+          </a:fontRef>
+        </p:style>
+      </p:cxnSp>
+      <p:cxnSp>
+        <p:nvCxnSpPr>
+          <p:cNvPr id="117" name="Straight Connector 116"/>
+          <p:cNvCxnSpPr/>
+          <p:nvPr/>
+        </p:nvCxnSpPr>
+        <p:spPr>
+          <a:xfrm>
+            <a:off x="2178475" y="2454462"/>
+            <a:ext cx="4882725" cy="0"/>
+          </a:xfrm>
+          <a:prstGeom prst="line">
+            <a:avLst/>
+          </a:prstGeom>
+          <a:ln w="38100">
+            <a:solidFill>
+              <a:schemeClr val="accent3"/>
+            </a:solidFill>
+          </a:ln>
+        </p:spPr>
+        <p:style>
+          <a:lnRef idx="1">
+            <a:schemeClr val="accent1"/>
+          </a:lnRef>
+          <a:fillRef idx="0">
+            <a:schemeClr val="accent1"/>
+          </a:fillRef>
+          <a:effectRef idx="0">
+            <a:schemeClr val="accent1"/>
+          </a:effectRef>
+          <a:fontRef idx="minor">
+            <a:schemeClr val="tx1"/>
+          </a:fontRef>
+        </p:style>
+      </p:cxnSp>
+      <p:cxnSp>
+        <p:nvCxnSpPr>
+          <p:cNvPr id="118" name="Straight Connector 117"/>
+          <p:cNvCxnSpPr/>
+          <p:nvPr/>
+        </p:nvCxnSpPr>
+        <p:spPr>
+          <a:xfrm>
+            <a:off x="1300163" y="61767"/>
+            <a:ext cx="6715352" cy="0"/>
+          </a:xfrm>
+          <a:prstGeom prst="line">
+            <a:avLst/>
+          </a:prstGeom>
+          <a:ln w="38100">
+            <a:solidFill>
+              <a:srgbClr val="FFFF00"/>
+            </a:solidFill>
+          </a:ln>
+        </p:spPr>
+        <p:style>
+          <a:lnRef idx="1">
+            <a:schemeClr val="accent1"/>
+          </a:lnRef>
+          <a:fillRef idx="0">
+            <a:schemeClr val="accent1"/>
+          </a:fillRef>
+          <a:effectRef idx="0">
+            <a:schemeClr val="accent1"/>
+          </a:effectRef>
+          <a:fontRef idx="minor">
+            <a:schemeClr val="tx1"/>
+          </a:fontRef>
+        </p:style>
+      </p:cxnSp>
+      <p:cxnSp>
+        <p:nvCxnSpPr>
+          <p:cNvPr id="121" name="Straight Connector 120"/>
+          <p:cNvCxnSpPr/>
+          <p:nvPr/>
+        </p:nvCxnSpPr>
+        <p:spPr>
+          <a:xfrm>
+            <a:off x="6515100" y="2910855"/>
+            <a:ext cx="0" cy="262689"/>
+          </a:xfrm>
+          <a:prstGeom prst="line">
+            <a:avLst/>
+          </a:prstGeom>
+          <a:ln w="38100">
+            <a:solidFill>
+              <a:schemeClr val="tx2">
+                <a:lumMod val="75000"/>
+              </a:schemeClr>
+            </a:solidFill>
+          </a:ln>
+        </p:spPr>
+        <p:style>
+          <a:lnRef idx="1">
+            <a:schemeClr val="accent1"/>
+          </a:lnRef>
+          <a:fillRef idx="0">
+            <a:schemeClr val="accent1"/>
+          </a:fillRef>
+          <a:effectRef idx="0">
+            <a:schemeClr val="accent1"/>
+          </a:effectRef>
+          <a:fontRef idx="minor">
+            <a:schemeClr val="tx1"/>
+          </a:fontRef>
+        </p:style>
+      </p:cxnSp>
+      <p:cxnSp>
+        <p:nvCxnSpPr>
+          <p:cNvPr id="129" name="Straight Connector 128"/>
+          <p:cNvCxnSpPr/>
+          <p:nvPr/>
+        </p:nvCxnSpPr>
+        <p:spPr>
+          <a:xfrm>
+            <a:off x="1483519" y="2241457"/>
+            <a:ext cx="5939631" cy="0"/>
+          </a:xfrm>
+          <a:prstGeom prst="line">
+            <a:avLst/>
+          </a:prstGeom>
+          <a:ln w="38100">
+            <a:solidFill>
+              <a:srgbClr val="FFC000"/>
             </a:solidFill>
           </a:ln>
         </p:spPr>
